--- a/présentation/Bloc_02_Projet_Tinder.pptx
+++ b/présentation/Bloc_02_Projet_Tinder.pptx
@@ -6,35 +6,36 @@
     <p:sldMasterId id="2147483660" r:id="rId2"/>
   </p:sldMasterIdLst>
   <p:notesMasterIdLst>
-    <p:notesMasterId r:id="rId12"/>
+    <p:notesMasterId r:id="rId13"/>
   </p:notesMasterIdLst>
   <p:sldIdLst>
     <p:sldId id="256" r:id="rId3"/>
-    <p:sldId id="279" r:id="rId4"/>
-    <p:sldId id="272" r:id="rId5"/>
-    <p:sldId id="273" r:id="rId6"/>
-    <p:sldId id="280" r:id="rId7"/>
-    <p:sldId id="274" r:id="rId8"/>
-    <p:sldId id="275" r:id="rId9"/>
-    <p:sldId id="278" r:id="rId10"/>
-    <p:sldId id="271" r:id="rId11"/>
+    <p:sldId id="281" r:id="rId4"/>
+    <p:sldId id="279" r:id="rId5"/>
+    <p:sldId id="272" r:id="rId6"/>
+    <p:sldId id="273" r:id="rId7"/>
+    <p:sldId id="280" r:id="rId8"/>
+    <p:sldId id="274" r:id="rId9"/>
+    <p:sldId id="275" r:id="rId10"/>
+    <p:sldId id="278" r:id="rId11"/>
+    <p:sldId id="271" r:id="rId12"/>
   </p:sldIdLst>
   <p:sldSz cx="9144000" cy="5143500" type="screen16x9"/>
   <p:notesSz cx="6858000" cy="9144000"/>
   <p:embeddedFontLst>
     <p:embeddedFont>
       <p:font typeface="Inter Medium" panose="020B0604020202020204" charset="0"/>
-      <p:regular r:id="rId13"/>
-      <p:bold r:id="rId14"/>
-      <p:italic r:id="rId15"/>
-      <p:boldItalic r:id="rId16"/>
+      <p:regular r:id="rId14"/>
+      <p:bold r:id="rId15"/>
+      <p:italic r:id="rId16"/>
+      <p:boldItalic r:id="rId17"/>
     </p:embeddedFont>
     <p:embeddedFont>
       <p:font typeface="Inter SemiBold" panose="020B0604020202020204" charset="0"/>
-      <p:regular r:id="rId17"/>
-      <p:bold r:id="rId18"/>
-      <p:italic r:id="rId19"/>
-      <p:boldItalic r:id="rId20"/>
+      <p:regular r:id="rId18"/>
+      <p:bold r:id="rId19"/>
+      <p:italic r:id="rId20"/>
+      <p:boldItalic r:id="rId21"/>
     </p:embeddedFont>
   </p:embeddedFontLst>
   <p:defaultTextStyle>
@@ -277,7 +278,7 @@
 <file path=ppt/revisionInfo.xml><?xml version="1.0" encoding="utf-8"?>
 <p1510:revInfo xmlns:a="http://schemas.openxmlformats.org/drawingml/2006/main" xmlns:r="http://schemas.openxmlformats.org/officeDocument/2006/relationships" xmlns:p1510="http://schemas.microsoft.com/office/powerpoint/2015/10/main">
   <p1510:revLst>
-    <p1510:client id="{2C23EAAE-D724-4C8F-87EF-B793B355BE44}" v="57" dt="2026-02-03T17:33:27.479"/>
+    <p1510:client id="{2C23EAAE-D724-4C8F-87EF-B793B355BE44}" v="64" dt="2026-02-11T16:05:41.695"/>
   </p1510:revLst>
 </p1510:revInfo>
 </file>
@@ -287,7 +288,7 @@
   <pc:docChgLst>
     <pc:chgData name="Jean-Yves Vuillequez" userId="e7fac481abea6bd0" providerId="LiveId" clId="{79E365E8-22BC-4EC2-9606-9A9AC6CD1D22}"/>
     <pc:docChg chg="undo custSel addSld delSld modSld addMainMaster delMainMaster">
-      <pc:chgData name="Jean-Yves Vuillequez" userId="e7fac481abea6bd0" providerId="LiveId" clId="{79E365E8-22BC-4EC2-9606-9A9AC6CD1D22}" dt="2026-02-03T17:33:43.959" v="715" actId="108"/>
+      <pc:chgData name="Jean-Yves Vuillequez" userId="e7fac481abea6bd0" providerId="LiveId" clId="{79E365E8-22BC-4EC2-9606-9A9AC6CD1D22}" dt="2026-02-11T16:05:50.089" v="787" actId="113"/>
       <pc:docMkLst>
         <pc:docMk/>
       </pc:docMkLst>
@@ -453,37 +454,6 @@
           </ac:picMkLst>
         </pc:picChg>
       </pc:sldChg>
-      <pc:sldChg chg="addSp delSp modSp add del mod">
-        <pc:chgData name="Jean-Yves Vuillequez" userId="e7fac481abea6bd0" providerId="LiveId" clId="{79E365E8-22BC-4EC2-9606-9A9AC6CD1D22}" dt="2026-02-03T17:33:31.869" v="714" actId="47"/>
-        <pc:sldMkLst>
-          <pc:docMk/>
-          <pc:sldMk cId="2178588644" sldId="276"/>
-        </pc:sldMkLst>
-        <pc:spChg chg="add mod">
-          <ac:chgData name="Jean-Yves Vuillequez" userId="e7fac481abea6bd0" providerId="LiveId" clId="{79E365E8-22BC-4EC2-9606-9A9AC6CD1D22}" dt="2026-01-26T14:18:59.734" v="496" actId="113"/>
-          <ac:spMkLst>
-            <pc:docMk/>
-            <pc:sldMk cId="2178588644" sldId="276"/>
-            <ac:spMk id="2" creationId="{6DFC819F-A6CF-3CBE-A526-A6EF83726505}"/>
-          </ac:spMkLst>
-        </pc:spChg>
-        <pc:spChg chg="mod">
-          <ac:chgData name="Jean-Yves Vuillequez" userId="e7fac481abea6bd0" providerId="LiveId" clId="{79E365E8-22BC-4EC2-9606-9A9AC6CD1D22}" dt="2026-01-26T14:07:06.136" v="360" actId="1076"/>
-          <ac:spMkLst>
-            <pc:docMk/>
-            <pc:sldMk cId="2178588644" sldId="276"/>
-            <ac:spMk id="3" creationId="{851C591C-706C-B72E-0D32-20EDCAC89590}"/>
-          </ac:spMkLst>
-        </pc:spChg>
-        <pc:spChg chg="mod">
-          <ac:chgData name="Jean-Yves Vuillequez" userId="e7fac481abea6bd0" providerId="LiveId" clId="{79E365E8-22BC-4EC2-9606-9A9AC6CD1D22}" dt="2026-01-26T14:05:45.937" v="350" actId="20577"/>
-          <ac:spMkLst>
-            <pc:docMk/>
-            <pc:sldMk cId="2178588644" sldId="276"/>
-            <ac:spMk id="68" creationId="{DCF94AC8-344F-6D26-FABF-EB7DF07686C7}"/>
-          </ac:spMkLst>
-        </pc:spChg>
-      </pc:sldChg>
       <pc:sldChg chg="addSp delSp modSp add mod">
         <pc:chgData name="Jean-Yves Vuillequez" userId="e7fac481abea6bd0" providerId="LiveId" clId="{79E365E8-22BC-4EC2-9606-9A9AC6CD1D22}" dt="2026-02-03T17:33:43.959" v="715" actId="108"/>
         <pc:sldMkLst>
@@ -630,6 +600,29 @@
             <pc:docMk/>
             <pc:sldMk cId="1328024360" sldId="280"/>
             <ac:spMk id="68" creationId="{39557496-7716-54C7-E411-D30B5CE191E6}"/>
+          </ac:spMkLst>
+        </pc:spChg>
+      </pc:sldChg>
+      <pc:sldChg chg="modSp add del mod">
+        <pc:chgData name="Jean-Yves Vuillequez" userId="e7fac481abea6bd0" providerId="LiveId" clId="{79E365E8-22BC-4EC2-9606-9A9AC6CD1D22}" dt="2026-02-11T16:05:50.089" v="787" actId="113"/>
+        <pc:sldMkLst>
+          <pc:docMk/>
+          <pc:sldMk cId="0" sldId="281"/>
+        </pc:sldMkLst>
+        <pc:spChg chg="mod">
+          <ac:chgData name="Jean-Yves Vuillequez" userId="e7fac481abea6bd0" providerId="LiveId" clId="{79E365E8-22BC-4EC2-9606-9A9AC6CD1D22}" dt="2026-02-11T16:04:30.099" v="773" actId="14100"/>
+          <ac:spMkLst>
+            <pc:docMk/>
+            <pc:sldMk cId="0" sldId="281"/>
+            <ac:spMk id="5" creationId="{C9E79F0C-F757-C223-90A8-073753256F1C}"/>
+          </ac:spMkLst>
+        </pc:spChg>
+        <pc:spChg chg="mod">
+          <ac:chgData name="Jean-Yves Vuillequez" userId="e7fac481abea6bd0" providerId="LiveId" clId="{79E365E8-22BC-4EC2-9606-9A9AC6CD1D22}" dt="2026-02-11T16:05:50.089" v="787" actId="113"/>
+          <ac:spMkLst>
+            <pc:docMk/>
+            <pc:sldMk cId="0" sldId="281"/>
+            <ac:spMk id="6" creationId="{243FF7A6-205C-44FD-4C04-67C8CD0DF557}"/>
           </ac:spMkLst>
         </pc:spChg>
       </pc:sldChg>
@@ -1278,7 +1271,233 @@
 </p:notes>
 </file>
 
+<file path=ppt/notesSlides/notesSlide10.xml><?xml version="1.0" encoding="utf-8"?>
+<p:notes xmlns:a="http://schemas.openxmlformats.org/drawingml/2006/main" xmlns:r="http://schemas.openxmlformats.org/officeDocument/2006/relationships" xmlns:p="http://schemas.openxmlformats.org/presentationml/2006/main" showMasterSp="0" showMasterPhAnim="0">
+  <p:cSld>
+    <p:spTree>
+      <p:nvGrpSpPr>
+        <p:cNvPr id="1" name="Shape 183"/>
+        <p:cNvGrpSpPr/>
+        <p:nvPr/>
+      </p:nvGrpSpPr>
+      <p:grpSpPr>
+        <a:xfrm>
+          <a:off x="0" y="0"/>
+          <a:ext cx="0" cy="0"/>
+          <a:chOff x="0" y="0"/>
+          <a:chExt cx="0" cy="0"/>
+        </a:xfrm>
+      </p:grpSpPr>
+      <p:sp>
+        <p:nvSpPr>
+          <p:cNvPr id="184" name="Google Shape;184;p9:notes"/>
+          <p:cNvSpPr>
+            <a:spLocks noGrp="1" noRot="1" noChangeAspect="1"/>
+          </p:cNvSpPr>
+          <p:nvPr>
+            <p:ph type="sldImg" idx="2"/>
+          </p:nvPr>
+        </p:nvSpPr>
+        <p:spPr>
+          <a:xfrm>
+            <a:off x="381000" y="685800"/>
+            <a:ext cx="6096000" cy="3429000"/>
+          </a:xfrm>
+          <a:custGeom>
+            <a:avLst/>
+            <a:gdLst/>
+            <a:ahLst/>
+            <a:cxnLst/>
+            <a:rect l="l" t="t" r="r" b="b"/>
+            <a:pathLst>
+              <a:path w="120000" h="120000" extrusionOk="0">
+                <a:moveTo>
+                  <a:pt x="0" y="0"/>
+                </a:moveTo>
+                <a:lnTo>
+                  <a:pt x="120000" y="0"/>
+                </a:lnTo>
+                <a:lnTo>
+                  <a:pt x="120000" y="120000"/>
+                </a:lnTo>
+                <a:lnTo>
+                  <a:pt x="0" y="120000"/>
+                </a:lnTo>
+                <a:close/>
+              </a:path>
+            </a:pathLst>
+          </a:custGeom>
+          <a:noFill/>
+          <a:ln w="9525" cap="flat" cmpd="sng">
+            <a:solidFill>
+              <a:srgbClr val="000000"/>
+            </a:solidFill>
+            <a:prstDash val="solid"/>
+            <a:round/>
+            <a:headEnd type="none" w="sm" len="sm"/>
+            <a:tailEnd type="none" w="sm" len="sm"/>
+          </a:ln>
+        </p:spPr>
+      </p:sp>
+      <p:sp>
+        <p:nvSpPr>
+          <p:cNvPr id="185" name="Google Shape;185;p9:notes"/>
+          <p:cNvSpPr txBox="1">
+            <a:spLocks noGrp="1"/>
+          </p:cNvSpPr>
+          <p:nvPr>
+            <p:ph type="body" idx="1"/>
+          </p:nvPr>
+        </p:nvSpPr>
+        <p:spPr>
+          <a:xfrm>
+            <a:off x="685800" y="4343400"/>
+            <a:ext cx="5486400" cy="4114800"/>
+          </a:xfrm>
+          <a:prstGeom prst="rect">
+            <a:avLst/>
+          </a:prstGeom>
+          <a:noFill/>
+          <a:ln>
+            <a:noFill/>
+          </a:ln>
+        </p:spPr>
+        <p:txBody>
+          <a:bodyPr spcFirstLastPara="1" wrap="square" lIns="91425" tIns="91425" rIns="91425" bIns="91425" anchor="t" anchorCtr="0">
+            <a:noAutofit/>
+          </a:bodyPr>
+          <a:lstStyle/>
+          <a:p>
+            <a:pPr marL="0" lvl="0" indent="0" algn="l" rtl="0">
+              <a:lnSpc>
+                <a:spcPct val="100000"/>
+              </a:lnSpc>
+              <a:spcBef>
+                <a:spcPts val="0"/>
+              </a:spcBef>
+              <a:spcAft>
+                <a:spcPts val="0"/>
+              </a:spcAft>
+              <a:buSzPts val="1100"/>
+              <a:buNone/>
+            </a:pPr>
+            <a:endParaRPr/>
+          </a:p>
+        </p:txBody>
+      </p:sp>
+    </p:spTree>
+  </p:cSld>
+  <p:clrMapOvr>
+    <a:masterClrMapping/>
+  </p:clrMapOvr>
+</p:notes>
+</file>
+
 <file path=ppt/notesSlides/notesSlide2.xml><?xml version="1.0" encoding="utf-8"?>
+<p:notes xmlns:a="http://schemas.openxmlformats.org/drawingml/2006/main" xmlns:r="http://schemas.openxmlformats.org/officeDocument/2006/relationships" xmlns:p="http://schemas.openxmlformats.org/presentationml/2006/main" showMasterSp="0" showMasterPhAnim="0">
+  <p:cSld>
+    <p:spTree>
+      <p:nvGrpSpPr>
+        <p:cNvPr id="1" name="Shape 64"/>
+        <p:cNvGrpSpPr/>
+        <p:nvPr/>
+      </p:nvGrpSpPr>
+      <p:grpSpPr>
+        <a:xfrm>
+          <a:off x="0" y="0"/>
+          <a:ext cx="0" cy="0"/>
+          <a:chOff x="0" y="0"/>
+          <a:chExt cx="0" cy="0"/>
+        </a:xfrm>
+      </p:grpSpPr>
+      <p:sp>
+        <p:nvSpPr>
+          <p:cNvPr id="65" name="Google Shape;65;g3bc3b886ea_0_7:notes"/>
+          <p:cNvSpPr>
+            <a:spLocks noGrp="1" noRot="1" noChangeAspect="1"/>
+          </p:cNvSpPr>
+          <p:nvPr>
+            <p:ph type="sldImg" idx="2"/>
+          </p:nvPr>
+        </p:nvSpPr>
+        <p:spPr>
+          <a:xfrm>
+            <a:off x="381000" y="685800"/>
+            <a:ext cx="6096000" cy="3429000"/>
+          </a:xfrm>
+          <a:custGeom>
+            <a:avLst/>
+            <a:gdLst/>
+            <a:ahLst/>
+            <a:cxnLst/>
+            <a:rect l="l" t="t" r="r" b="b"/>
+            <a:pathLst>
+              <a:path w="120000" h="120000" extrusionOk="0">
+                <a:moveTo>
+                  <a:pt x="0" y="0"/>
+                </a:moveTo>
+                <a:lnTo>
+                  <a:pt x="120000" y="0"/>
+                </a:lnTo>
+                <a:lnTo>
+                  <a:pt x="120000" y="120000"/>
+                </a:lnTo>
+                <a:lnTo>
+                  <a:pt x="0" y="120000"/>
+                </a:lnTo>
+                <a:close/>
+              </a:path>
+            </a:pathLst>
+          </a:custGeom>
+        </p:spPr>
+      </p:sp>
+      <p:sp>
+        <p:nvSpPr>
+          <p:cNvPr id="66" name="Google Shape;66;g3bc3b886ea_0_7:notes"/>
+          <p:cNvSpPr txBox="1">
+            <a:spLocks noGrp="1"/>
+          </p:cNvSpPr>
+          <p:nvPr>
+            <p:ph type="body" idx="1"/>
+          </p:nvPr>
+        </p:nvSpPr>
+        <p:spPr>
+          <a:xfrm>
+            <a:off x="685800" y="4343400"/>
+            <a:ext cx="5486400" cy="4114800"/>
+          </a:xfrm>
+          <a:prstGeom prst="rect">
+            <a:avLst/>
+          </a:prstGeom>
+        </p:spPr>
+        <p:txBody>
+          <a:bodyPr spcFirstLastPara="1" wrap="square" lIns="91425" tIns="91425" rIns="91425" bIns="91425" anchor="t" anchorCtr="0">
+            <a:noAutofit/>
+          </a:bodyPr>
+          <a:lstStyle/>
+          <a:p>
+            <a:pPr marL="0" lvl="0" indent="0" algn="l" rtl="0">
+              <a:spcBef>
+                <a:spcPts val="0"/>
+              </a:spcBef>
+              <a:spcAft>
+                <a:spcPts val="0"/>
+              </a:spcAft>
+              <a:buNone/>
+            </a:pPr>
+            <a:endParaRPr dirty="0"/>
+          </a:p>
+        </p:txBody>
+      </p:sp>
+    </p:spTree>
+  </p:cSld>
+  <p:clrMapOvr>
+    <a:masterClrMapping/>
+  </p:clrMapOvr>
+</p:notes>
+</file>
+
+<file path=ppt/notesSlides/notesSlide3.xml><?xml version="1.0" encoding="utf-8"?>
 <p:notes xmlns:a="http://schemas.openxmlformats.org/drawingml/2006/main" xmlns:r="http://schemas.openxmlformats.org/officeDocument/2006/relationships" xmlns:p="http://schemas.openxmlformats.org/presentationml/2006/main" showMasterSp="0" showMasterPhAnim="0">
   <p:cSld>
     <p:spTree>
@@ -1426,7 +1645,7 @@
 </p:notes>
 </file>
 
-<file path=ppt/notesSlides/notesSlide3.xml><?xml version="1.0" encoding="utf-8"?>
+<file path=ppt/notesSlides/notesSlide4.xml><?xml version="1.0" encoding="utf-8"?>
 <p:notes xmlns:a="http://schemas.openxmlformats.org/drawingml/2006/main" xmlns:r="http://schemas.openxmlformats.org/officeDocument/2006/relationships" xmlns:p="http://schemas.openxmlformats.org/presentationml/2006/main" showMasterSp="0" showMasterPhAnim="0">
   <p:cSld>
     <p:spTree>
@@ -1574,7 +1793,7 @@
 </p:notes>
 </file>
 
-<file path=ppt/notesSlides/notesSlide4.xml><?xml version="1.0" encoding="utf-8"?>
+<file path=ppt/notesSlides/notesSlide5.xml><?xml version="1.0" encoding="utf-8"?>
 <p:notes xmlns:a="http://schemas.openxmlformats.org/drawingml/2006/main" xmlns:r="http://schemas.openxmlformats.org/officeDocument/2006/relationships" xmlns:p="http://schemas.openxmlformats.org/presentationml/2006/main" showMasterSp="0" showMasterPhAnim="0">
   <p:cSld>
     <p:spTree>
@@ -1734,7 +1953,7 @@
 </p:notes>
 </file>
 
-<file path=ppt/notesSlides/notesSlide5.xml><?xml version="1.0" encoding="utf-8"?>
+<file path=ppt/notesSlides/notesSlide6.xml><?xml version="1.0" encoding="utf-8"?>
 <p:notes xmlns:a="http://schemas.openxmlformats.org/drawingml/2006/main" xmlns:r="http://schemas.openxmlformats.org/officeDocument/2006/relationships" xmlns:p="http://schemas.openxmlformats.org/presentationml/2006/main" showMasterSp="0" showMasterPhAnim="0">
   <p:cSld>
     <p:spTree>
@@ -1878,7 +2097,7 @@
 </p:notes>
 </file>
 
-<file path=ppt/notesSlides/notesSlide6.xml><?xml version="1.0" encoding="utf-8"?>
+<file path=ppt/notesSlides/notesSlide7.xml><?xml version="1.0" encoding="utf-8"?>
 <p:notes xmlns:a="http://schemas.openxmlformats.org/drawingml/2006/main" xmlns:r="http://schemas.openxmlformats.org/officeDocument/2006/relationships" xmlns:p="http://schemas.openxmlformats.org/presentationml/2006/main" showMasterSp="0" showMasterPhAnim="0">
   <p:cSld>
     <p:spTree>
@@ -2030,7 +2249,7 @@
 </p:notes>
 </file>
 
-<file path=ppt/notesSlides/notesSlide7.xml><?xml version="1.0" encoding="utf-8"?>
+<file path=ppt/notesSlides/notesSlide8.xml><?xml version="1.0" encoding="utf-8"?>
 <p:notes xmlns:a="http://schemas.openxmlformats.org/drawingml/2006/main" xmlns:r="http://schemas.openxmlformats.org/officeDocument/2006/relationships" xmlns:p="http://schemas.openxmlformats.org/presentationml/2006/main" showMasterSp="0" showMasterPhAnim="0">
   <p:cSld>
     <p:spTree>
@@ -2174,7 +2393,7 @@
 </p:notes>
 </file>
 
-<file path=ppt/notesSlides/notesSlide8.xml><?xml version="1.0" encoding="utf-8"?>
+<file path=ppt/notesSlides/notesSlide9.xml><?xml version="1.0" encoding="utf-8"?>
 <p:notes xmlns:a="http://schemas.openxmlformats.org/drawingml/2006/main" xmlns:r="http://schemas.openxmlformats.org/officeDocument/2006/relationships" xmlns:p="http://schemas.openxmlformats.org/presentationml/2006/main" showMasterSp="0" showMasterPhAnim="0">
   <p:cSld>
     <p:spTree>
@@ -2294,128 +2513,6 @@
         <p14:creationId xmlns:p14="http://schemas.microsoft.com/office/powerpoint/2010/main" val="3883448615"/>
       </p:ext>
     </p:extLst>
-  </p:cSld>
-  <p:clrMapOvr>
-    <a:masterClrMapping/>
-  </p:clrMapOvr>
-</p:notes>
-</file>
-
-<file path=ppt/notesSlides/notesSlide9.xml><?xml version="1.0" encoding="utf-8"?>
-<p:notes xmlns:a="http://schemas.openxmlformats.org/drawingml/2006/main" xmlns:r="http://schemas.openxmlformats.org/officeDocument/2006/relationships" xmlns:p="http://schemas.openxmlformats.org/presentationml/2006/main" showMasterSp="0" showMasterPhAnim="0">
-  <p:cSld>
-    <p:spTree>
-      <p:nvGrpSpPr>
-        <p:cNvPr id="1" name="Shape 183"/>
-        <p:cNvGrpSpPr/>
-        <p:nvPr/>
-      </p:nvGrpSpPr>
-      <p:grpSpPr>
-        <a:xfrm>
-          <a:off x="0" y="0"/>
-          <a:ext cx="0" cy="0"/>
-          <a:chOff x="0" y="0"/>
-          <a:chExt cx="0" cy="0"/>
-        </a:xfrm>
-      </p:grpSpPr>
-      <p:sp>
-        <p:nvSpPr>
-          <p:cNvPr id="184" name="Google Shape;184;p9:notes"/>
-          <p:cNvSpPr>
-            <a:spLocks noGrp="1" noRot="1" noChangeAspect="1"/>
-          </p:cNvSpPr>
-          <p:nvPr>
-            <p:ph type="sldImg" idx="2"/>
-          </p:nvPr>
-        </p:nvSpPr>
-        <p:spPr>
-          <a:xfrm>
-            <a:off x="381000" y="685800"/>
-            <a:ext cx="6096000" cy="3429000"/>
-          </a:xfrm>
-          <a:custGeom>
-            <a:avLst/>
-            <a:gdLst/>
-            <a:ahLst/>
-            <a:cxnLst/>
-            <a:rect l="l" t="t" r="r" b="b"/>
-            <a:pathLst>
-              <a:path w="120000" h="120000" extrusionOk="0">
-                <a:moveTo>
-                  <a:pt x="0" y="0"/>
-                </a:moveTo>
-                <a:lnTo>
-                  <a:pt x="120000" y="0"/>
-                </a:lnTo>
-                <a:lnTo>
-                  <a:pt x="120000" y="120000"/>
-                </a:lnTo>
-                <a:lnTo>
-                  <a:pt x="0" y="120000"/>
-                </a:lnTo>
-                <a:close/>
-              </a:path>
-            </a:pathLst>
-          </a:custGeom>
-          <a:noFill/>
-          <a:ln w="9525" cap="flat" cmpd="sng">
-            <a:solidFill>
-              <a:srgbClr val="000000"/>
-            </a:solidFill>
-            <a:prstDash val="solid"/>
-            <a:round/>
-            <a:headEnd type="none" w="sm" len="sm"/>
-            <a:tailEnd type="none" w="sm" len="sm"/>
-          </a:ln>
-        </p:spPr>
-      </p:sp>
-      <p:sp>
-        <p:nvSpPr>
-          <p:cNvPr id="185" name="Google Shape;185;p9:notes"/>
-          <p:cNvSpPr txBox="1">
-            <a:spLocks noGrp="1"/>
-          </p:cNvSpPr>
-          <p:nvPr>
-            <p:ph type="body" idx="1"/>
-          </p:nvPr>
-        </p:nvSpPr>
-        <p:spPr>
-          <a:xfrm>
-            <a:off x="685800" y="4343400"/>
-            <a:ext cx="5486400" cy="4114800"/>
-          </a:xfrm>
-          <a:prstGeom prst="rect">
-            <a:avLst/>
-          </a:prstGeom>
-          <a:noFill/>
-          <a:ln>
-            <a:noFill/>
-          </a:ln>
-        </p:spPr>
-        <p:txBody>
-          <a:bodyPr spcFirstLastPara="1" wrap="square" lIns="91425" tIns="91425" rIns="91425" bIns="91425" anchor="t" anchorCtr="0">
-            <a:noAutofit/>
-          </a:bodyPr>
-          <a:lstStyle/>
-          <a:p>
-            <a:pPr marL="0" lvl="0" indent="0" algn="l" rtl="0">
-              <a:lnSpc>
-                <a:spcPct val="100000"/>
-              </a:lnSpc>
-              <a:spcBef>
-                <a:spcPts val="0"/>
-              </a:spcBef>
-              <a:spcAft>
-                <a:spcPts val="0"/>
-              </a:spcAft>
-              <a:buSzPts val="1100"/>
-              <a:buNone/>
-            </a:pPr>
-            <a:endParaRPr/>
-          </a:p>
-        </p:txBody>
-      </p:sp>
-    </p:spTree>
   </p:cSld>
   <p:clrMapOvr>
     <a:masterClrMapping/>
@@ -15576,7 +15673,794 @@
 </p:sld>
 </file>
 
+<file path=ppt/slides/slide10.xml><?xml version="1.0" encoding="utf-8"?>
+<p:sld xmlns:a="http://schemas.openxmlformats.org/drawingml/2006/main" xmlns:r="http://schemas.openxmlformats.org/officeDocument/2006/relationships" xmlns:p="http://schemas.openxmlformats.org/presentationml/2006/main">
+  <p:cSld>
+    <p:bg>
+      <p:bgPr>
+        <a:solidFill>
+          <a:srgbClr val="00DBD0"/>
+        </a:solidFill>
+        <a:effectLst/>
+      </p:bgPr>
+    </p:bg>
+    <p:spTree>
+      <p:nvGrpSpPr>
+        <p:cNvPr id="1" name="Shape 186"/>
+        <p:cNvGrpSpPr/>
+        <p:nvPr/>
+      </p:nvGrpSpPr>
+      <p:grpSpPr>
+        <a:xfrm>
+          <a:off x="0" y="0"/>
+          <a:ext cx="0" cy="0"/>
+          <a:chOff x="0" y="0"/>
+          <a:chExt cx="0" cy="0"/>
+        </a:xfrm>
+      </p:grpSpPr>
+      <p:sp>
+        <p:nvSpPr>
+          <p:cNvPr id="187" name="Google Shape;187;p9"/>
+          <p:cNvSpPr txBox="1">
+            <a:spLocks noGrp="1"/>
+          </p:cNvSpPr>
+          <p:nvPr>
+            <p:ph type="ctrTitle" idx="4294967295"/>
+          </p:nvPr>
+        </p:nvSpPr>
+        <p:spPr>
+          <a:xfrm>
+            <a:off x="1089725" y="1970775"/>
+            <a:ext cx="6393116" cy="698400"/>
+          </a:xfrm>
+          <a:prstGeom prst="rect">
+            <a:avLst/>
+          </a:prstGeom>
+          <a:noFill/>
+          <a:ln>
+            <a:noFill/>
+          </a:ln>
+        </p:spPr>
+        <p:txBody>
+          <a:bodyPr spcFirstLastPara="1" wrap="square" lIns="91425" tIns="91425" rIns="91425" bIns="91425" anchor="t" anchorCtr="0">
+            <a:noAutofit/>
+          </a:bodyPr>
+          <a:lstStyle/>
+          <a:p>
+            <a:pPr marL="0" marR="0" lvl="0" indent="0" algn="l" rtl="0">
+              <a:lnSpc>
+                <a:spcPct val="100000"/>
+              </a:lnSpc>
+              <a:spcBef>
+                <a:spcPts val="0"/>
+              </a:spcBef>
+              <a:spcAft>
+                <a:spcPts val="0"/>
+              </a:spcAft>
+              <a:buClr>
+                <a:schemeClr val="dk1"/>
+              </a:buClr>
+              <a:buSzPts val="2800"/>
+              <a:buFont typeface="Arial"/>
+              <a:buNone/>
+            </a:pPr>
+            <a:r>
+              <a:rPr lang="fr" sz="3600" dirty="0">
+                <a:solidFill>
+                  <a:srgbClr val="0E3449"/>
+                </a:solidFill>
+                <a:latin typeface="Inter SemiBold"/>
+                <a:ea typeface="Inter SemiBold"/>
+                <a:cs typeface="Inter SemiBold"/>
+                <a:sym typeface="Inter SemiBold"/>
+              </a:rPr>
+              <a:t>Merci pour votre attention</a:t>
+            </a:r>
+            <a:br>
+              <a:rPr lang="fr" sz="3600" dirty="0">
+                <a:solidFill>
+                  <a:srgbClr val="0E3449"/>
+                </a:solidFill>
+                <a:latin typeface="Inter SemiBold"/>
+                <a:ea typeface="Inter SemiBold"/>
+                <a:cs typeface="Inter SemiBold"/>
+                <a:sym typeface="Inter SemiBold"/>
+              </a:rPr>
+            </a:br>
+            <a:r>
+              <a:rPr lang="fr" sz="3600" dirty="0">
+                <a:solidFill>
+                  <a:srgbClr val="0E3449"/>
+                </a:solidFill>
+                <a:latin typeface="Inter SemiBold"/>
+                <a:ea typeface="Inter SemiBold"/>
+                <a:cs typeface="Inter SemiBold"/>
+                <a:sym typeface="Inter SemiBold"/>
+              </a:rPr>
+              <a:t>Des</a:t>
+            </a:r>
+            <a:r>
+              <a:rPr lang="fr" sz="3600" b="0" i="0" u="none" strike="noStrike" cap="none" dirty="0">
+                <a:solidFill>
+                  <a:srgbClr val="0E3449"/>
+                </a:solidFill>
+                <a:latin typeface="Inter SemiBold"/>
+                <a:ea typeface="Inter SemiBold"/>
+                <a:cs typeface="Inter SemiBold"/>
+                <a:sym typeface="Inter SemiBold"/>
+              </a:rPr>
+              <a:t> questions ?</a:t>
+            </a:r>
+            <a:endParaRPr sz="3600" b="0" i="0" u="none" strike="noStrike" cap="none" dirty="0">
+              <a:solidFill>
+                <a:srgbClr val="0E3449"/>
+              </a:solidFill>
+              <a:latin typeface="Inter SemiBold"/>
+              <a:ea typeface="Inter SemiBold"/>
+              <a:cs typeface="Inter SemiBold"/>
+              <a:sym typeface="Inter SemiBold"/>
+            </a:endParaRPr>
+          </a:p>
+        </p:txBody>
+      </p:sp>
+      <p:pic>
+        <p:nvPicPr>
+          <p:cNvPr id="188" name="Google Shape;188;p9"/>
+          <p:cNvPicPr preferRelativeResize="0"/>
+          <p:nvPr/>
+        </p:nvPicPr>
+        <p:blipFill rotWithShape="1">
+          <a:blip r:embed="rId3">
+            <a:alphaModFix/>
+          </a:blip>
+          <a:srcRect/>
+          <a:stretch/>
+        </p:blipFill>
+        <p:spPr>
+          <a:xfrm>
+            <a:off x="3918625" y="3006625"/>
+            <a:ext cx="4599299" cy="2136876"/>
+          </a:xfrm>
+          <a:prstGeom prst="rect">
+            <a:avLst/>
+          </a:prstGeom>
+          <a:noFill/>
+          <a:ln>
+            <a:noFill/>
+          </a:ln>
+        </p:spPr>
+      </p:pic>
+      <p:pic>
+        <p:nvPicPr>
+          <p:cNvPr id="189" name="Google Shape;189;p9"/>
+          <p:cNvPicPr preferRelativeResize="0"/>
+          <p:nvPr/>
+        </p:nvPicPr>
+        <p:blipFill rotWithShape="1">
+          <a:blip r:embed="rId4">
+            <a:alphaModFix/>
+          </a:blip>
+          <a:srcRect/>
+          <a:stretch/>
+        </p:blipFill>
+        <p:spPr>
+          <a:xfrm>
+            <a:off x="1232375" y="915775"/>
+            <a:ext cx="797425" cy="839825"/>
+          </a:xfrm>
+          <a:prstGeom prst="rect">
+            <a:avLst/>
+          </a:prstGeom>
+          <a:noFill/>
+          <a:ln>
+            <a:noFill/>
+          </a:ln>
+        </p:spPr>
+      </p:pic>
+    </p:spTree>
+  </p:cSld>
+  <p:clrMapOvr>
+    <a:masterClrMapping/>
+  </p:clrMapOvr>
+</p:sld>
+</file>
+
 <file path=ppt/slides/slide2.xml><?xml version="1.0" encoding="utf-8"?>
+<p:sld xmlns:a="http://schemas.openxmlformats.org/drawingml/2006/main" xmlns:r="http://schemas.openxmlformats.org/officeDocument/2006/relationships" xmlns:p="http://schemas.openxmlformats.org/presentationml/2006/main">
+  <p:cSld>
+    <p:spTree>
+      <p:nvGrpSpPr>
+        <p:cNvPr id="1" name="Shape 67"/>
+        <p:cNvGrpSpPr/>
+        <p:nvPr/>
+      </p:nvGrpSpPr>
+      <p:grpSpPr>
+        <a:xfrm>
+          <a:off x="0" y="0"/>
+          <a:ext cx="0" cy="0"/>
+          <a:chOff x="0" y="0"/>
+          <a:chExt cx="0" cy="0"/>
+        </a:xfrm>
+      </p:grpSpPr>
+      <p:sp>
+        <p:nvSpPr>
+          <p:cNvPr id="68" name="Google Shape;68;p15"/>
+          <p:cNvSpPr txBox="1">
+            <a:spLocks noGrp="1"/>
+          </p:cNvSpPr>
+          <p:nvPr>
+            <p:ph type="ctrTitle" idx="4294967295"/>
+          </p:nvPr>
+        </p:nvSpPr>
+        <p:spPr>
+          <a:xfrm>
+            <a:off x="1192664" y="403309"/>
+            <a:ext cx="7033070" cy="533100"/>
+          </a:xfrm>
+          <a:prstGeom prst="rect">
+            <a:avLst/>
+          </a:prstGeom>
+          <a:noFill/>
+          <a:ln>
+            <a:noFill/>
+          </a:ln>
+        </p:spPr>
+        <p:txBody>
+          <a:bodyPr spcFirstLastPara="1" wrap="square" lIns="91425" tIns="91425" rIns="91425" bIns="91425" anchor="t" anchorCtr="0">
+            <a:noAutofit/>
+          </a:bodyPr>
+          <a:lstStyle/>
+          <a:p>
+            <a:r>
+              <a:rPr lang="fr-FR" sz="2500" dirty="0">
+                <a:solidFill>
+                  <a:srgbClr val="0E3449"/>
+                </a:solidFill>
+                <a:latin typeface="Inter SemiBold"/>
+                <a:ea typeface="Inter SemiBold"/>
+                <a:sym typeface="Inter SemiBold"/>
+              </a:rPr>
+              <a:t>Contexte et enjeu</a:t>
+            </a:r>
+            <a:endParaRPr sz="2500" dirty="0">
+              <a:solidFill>
+                <a:srgbClr val="0E3449"/>
+              </a:solidFill>
+              <a:latin typeface="Inter SemiBold"/>
+              <a:ea typeface="Inter SemiBold"/>
+              <a:sym typeface="Inter SemiBold"/>
+            </a:endParaRPr>
+          </a:p>
+        </p:txBody>
+      </p:sp>
+      <p:pic>
+        <p:nvPicPr>
+          <p:cNvPr id="75" name="Google Shape;75;p15"/>
+          <p:cNvPicPr preferRelativeResize="0"/>
+          <p:nvPr/>
+        </p:nvPicPr>
+        <p:blipFill>
+          <a:blip r:embed="rId3">
+            <a:alphaModFix/>
+          </a:blip>
+          <a:stretch>
+            <a:fillRect/>
+          </a:stretch>
+        </p:blipFill>
+        <p:spPr>
+          <a:xfrm>
+            <a:off x="463375" y="482852"/>
+            <a:ext cx="576900" cy="385904"/>
+          </a:xfrm>
+          <a:prstGeom prst="rect">
+            <a:avLst/>
+          </a:prstGeom>
+          <a:noFill/>
+          <a:ln>
+            <a:noFill/>
+          </a:ln>
+        </p:spPr>
+      </p:pic>
+      <p:sp>
+        <p:nvSpPr>
+          <p:cNvPr id="76" name="Google Shape;76;p15"/>
+          <p:cNvSpPr/>
+          <p:nvPr/>
+        </p:nvSpPr>
+        <p:spPr>
+          <a:xfrm>
+            <a:off x="10225" y="4892025"/>
+            <a:ext cx="9144000" cy="251400"/>
+          </a:xfrm>
+          <a:prstGeom prst="rect">
+            <a:avLst/>
+          </a:prstGeom>
+          <a:solidFill>
+            <a:srgbClr val="C3FFFC"/>
+          </a:solidFill>
+          <a:ln>
+            <a:noFill/>
+          </a:ln>
+        </p:spPr>
+        <p:txBody>
+          <a:bodyPr spcFirstLastPara="1" wrap="square" lIns="91425" tIns="91425" rIns="91425" bIns="91425" anchor="ctr" anchorCtr="0">
+            <a:noAutofit/>
+          </a:bodyPr>
+          <a:lstStyle/>
+          <a:p>
+            <a:pPr marL="0" lvl="0" indent="0" algn="l" rtl="0">
+              <a:spcBef>
+                <a:spcPts val="0"/>
+              </a:spcBef>
+              <a:spcAft>
+                <a:spcPts val="0"/>
+              </a:spcAft>
+              <a:buNone/>
+            </a:pPr>
+            <a:endParaRPr dirty="0"/>
+          </a:p>
+        </p:txBody>
+      </p:sp>
+      <p:sp>
+        <p:nvSpPr>
+          <p:cNvPr id="2" name="Flèche : droite 1">
+            <a:extLst>
+              <a:ext uri="{FF2B5EF4-FFF2-40B4-BE49-F238E27FC236}">
+                <a16:creationId xmlns:a16="http://schemas.microsoft.com/office/drawing/2014/main" id="{86EAA274-6C17-67CB-A10D-51EEF8179EBB}"/>
+              </a:ext>
+            </a:extLst>
+          </p:cNvPr>
+          <p:cNvSpPr/>
+          <p:nvPr/>
+        </p:nvSpPr>
+        <p:spPr>
+          <a:xfrm>
+            <a:off x="617497" y="1132209"/>
+            <a:ext cx="541478" cy="531410"/>
+          </a:xfrm>
+          <a:prstGeom prst="rightArrow">
+            <a:avLst/>
+          </a:prstGeom>
+          <a:solidFill>
+            <a:srgbClr val="FFC000"/>
+          </a:solidFill>
+          <a:ln>
+            <a:noFill/>
+          </a:ln>
+        </p:spPr>
+        <p:style>
+          <a:lnRef idx="2">
+            <a:schemeClr val="accent1">
+              <a:shade val="15000"/>
+            </a:schemeClr>
+          </a:lnRef>
+          <a:fillRef idx="1">
+            <a:schemeClr val="accent1"/>
+          </a:fillRef>
+          <a:effectRef idx="0">
+            <a:schemeClr val="accent1"/>
+          </a:effectRef>
+          <a:fontRef idx="minor">
+            <a:schemeClr val="lt1"/>
+          </a:fontRef>
+        </p:style>
+        <p:txBody>
+          <a:bodyPr rtlCol="0" anchor="ctr"/>
+          <a:lstStyle/>
+          <a:p>
+            <a:pPr algn="ctr"/>
+            <a:endParaRPr lang="fr-FR" sz="1200"/>
+          </a:p>
+        </p:txBody>
+      </p:sp>
+      <p:sp>
+        <p:nvSpPr>
+          <p:cNvPr id="5" name="Google Shape;69;p3">
+            <a:extLst>
+              <a:ext uri="{FF2B5EF4-FFF2-40B4-BE49-F238E27FC236}">
+                <a16:creationId xmlns:a16="http://schemas.microsoft.com/office/drawing/2014/main" id="{C9E79F0C-F757-C223-90A8-073753256F1C}"/>
+              </a:ext>
+            </a:extLst>
+          </p:cNvPr>
+          <p:cNvSpPr/>
+          <p:nvPr/>
+        </p:nvSpPr>
+        <p:spPr>
+          <a:xfrm>
+            <a:off x="1260039" y="1164422"/>
+            <a:ext cx="7266464" cy="2181289"/>
+          </a:xfrm>
+          <a:prstGeom prst="rect">
+            <a:avLst/>
+          </a:prstGeom>
+          <a:solidFill>
+            <a:schemeClr val="accent3">
+              <a:lumMod val="20000"/>
+              <a:lumOff val="80000"/>
+            </a:schemeClr>
+          </a:solidFill>
+          <a:ln>
+            <a:noFill/>
+          </a:ln>
+        </p:spPr>
+        <p:txBody>
+          <a:bodyPr spcFirstLastPara="1" wrap="square" lIns="91425" tIns="45700" rIns="91425" bIns="45700" anchor="ctr" anchorCtr="0">
+            <a:noAutofit/>
+          </a:bodyPr>
+          <a:lstStyle/>
+          <a:p>
+            <a:pPr marL="0" marR="0" lvl="0" indent="0" algn="ctr" rtl="0">
+              <a:lnSpc>
+                <a:spcPct val="100000"/>
+              </a:lnSpc>
+              <a:spcBef>
+                <a:spcPts val="0"/>
+              </a:spcBef>
+              <a:spcAft>
+                <a:spcPts val="0"/>
+              </a:spcAft>
+              <a:buClr>
+                <a:srgbClr val="000000"/>
+              </a:buClr>
+              <a:buSzPts val="1400"/>
+              <a:buFont typeface="Arial"/>
+              <a:buNone/>
+            </a:pPr>
+            <a:endParaRPr sz="1400" b="0" i="0" u="none" strike="noStrike" cap="none">
+              <a:solidFill>
+                <a:schemeClr val="lt1"/>
+              </a:solidFill>
+              <a:latin typeface="Arial"/>
+              <a:ea typeface="Arial"/>
+              <a:cs typeface="Arial"/>
+              <a:sym typeface="Arial"/>
+            </a:endParaRPr>
+          </a:p>
+        </p:txBody>
+      </p:sp>
+      <p:sp>
+        <p:nvSpPr>
+          <p:cNvPr id="6" name="Google Shape;73;p3">
+            <a:extLst>
+              <a:ext uri="{FF2B5EF4-FFF2-40B4-BE49-F238E27FC236}">
+                <a16:creationId xmlns:a16="http://schemas.microsoft.com/office/drawing/2014/main" id="{243FF7A6-205C-44FD-4C04-67C8CD0DF557}"/>
+              </a:ext>
+            </a:extLst>
+          </p:cNvPr>
+          <p:cNvSpPr txBox="1">
+            <a:spLocks/>
+          </p:cNvSpPr>
+          <p:nvPr/>
+        </p:nvSpPr>
+        <p:spPr>
+          <a:xfrm>
+            <a:off x="1260039" y="1164423"/>
+            <a:ext cx="7266464" cy="300667"/>
+          </a:xfrm>
+          <a:prstGeom prst="rect">
+            <a:avLst/>
+          </a:prstGeom>
+          <a:noFill/>
+          <a:ln>
+            <a:noFill/>
+          </a:ln>
+        </p:spPr>
+        <p:txBody>
+          <a:bodyPr spcFirstLastPara="1" wrap="square" lIns="91425" tIns="91425" rIns="91425" bIns="91425" anchor="t" anchorCtr="0">
+            <a:noAutofit/>
+          </a:bodyPr>
+          <a:lstStyle>
+            <a:defPPr marR="0" lvl="0" algn="l" rtl="0">
+              <a:lnSpc>
+                <a:spcPct val="100000"/>
+              </a:lnSpc>
+              <a:spcBef>
+                <a:spcPts val="0"/>
+              </a:spcBef>
+              <a:spcAft>
+                <a:spcPts val="0"/>
+              </a:spcAft>
+            </a:defPPr>
+            <a:lvl1pPr marL="457200" marR="0" lvl="0" indent="-342900" algn="l" rtl="0">
+              <a:lnSpc>
+                <a:spcPct val="115000"/>
+              </a:lnSpc>
+              <a:spcBef>
+                <a:spcPts val="0"/>
+              </a:spcBef>
+              <a:spcAft>
+                <a:spcPts val="0"/>
+              </a:spcAft>
+              <a:buClr>
+                <a:schemeClr val="dk2"/>
+              </a:buClr>
+              <a:buSzPts val="1800"/>
+              <a:buFont typeface="Arial"/>
+              <a:buChar char="●"/>
+              <a:defRPr sz="1800" b="0" i="0" u="none" strike="noStrike" cap="none">
+                <a:solidFill>
+                  <a:schemeClr val="dk2"/>
+                </a:solidFill>
+                <a:latin typeface="Arial"/>
+                <a:ea typeface="Arial"/>
+                <a:cs typeface="Arial"/>
+                <a:sym typeface="Arial"/>
+              </a:defRPr>
+            </a:lvl1pPr>
+            <a:lvl2pPr marL="914400" marR="0" lvl="1" indent="-317500" algn="l" rtl="0">
+              <a:lnSpc>
+                <a:spcPct val="115000"/>
+              </a:lnSpc>
+              <a:spcBef>
+                <a:spcPts val="1600"/>
+              </a:spcBef>
+              <a:spcAft>
+                <a:spcPts val="0"/>
+              </a:spcAft>
+              <a:buClr>
+                <a:schemeClr val="dk2"/>
+              </a:buClr>
+              <a:buSzPts val="1400"/>
+              <a:buFont typeface="Arial"/>
+              <a:buChar char="○"/>
+              <a:defRPr sz="1400" b="0" i="0" u="none" strike="noStrike" cap="none">
+                <a:solidFill>
+                  <a:schemeClr val="dk2"/>
+                </a:solidFill>
+                <a:latin typeface="Arial"/>
+                <a:ea typeface="Arial"/>
+                <a:cs typeface="Arial"/>
+                <a:sym typeface="Arial"/>
+              </a:defRPr>
+            </a:lvl2pPr>
+            <a:lvl3pPr marL="1371600" marR="0" lvl="2" indent="-317500" algn="l" rtl="0">
+              <a:lnSpc>
+                <a:spcPct val="115000"/>
+              </a:lnSpc>
+              <a:spcBef>
+                <a:spcPts val="1600"/>
+              </a:spcBef>
+              <a:spcAft>
+                <a:spcPts val="0"/>
+              </a:spcAft>
+              <a:buClr>
+                <a:schemeClr val="dk2"/>
+              </a:buClr>
+              <a:buSzPts val="1400"/>
+              <a:buFont typeface="Arial"/>
+              <a:buChar char="■"/>
+              <a:defRPr sz="1400" b="0" i="0" u="none" strike="noStrike" cap="none">
+                <a:solidFill>
+                  <a:schemeClr val="dk2"/>
+                </a:solidFill>
+                <a:latin typeface="Arial"/>
+                <a:ea typeface="Arial"/>
+                <a:cs typeface="Arial"/>
+                <a:sym typeface="Arial"/>
+              </a:defRPr>
+            </a:lvl3pPr>
+            <a:lvl4pPr marL="1828800" marR="0" lvl="3" indent="-317500" algn="l" rtl="0">
+              <a:lnSpc>
+                <a:spcPct val="115000"/>
+              </a:lnSpc>
+              <a:spcBef>
+                <a:spcPts val="1600"/>
+              </a:spcBef>
+              <a:spcAft>
+                <a:spcPts val="0"/>
+              </a:spcAft>
+              <a:buClr>
+                <a:schemeClr val="dk2"/>
+              </a:buClr>
+              <a:buSzPts val="1400"/>
+              <a:buFont typeface="Arial"/>
+              <a:buChar char="●"/>
+              <a:defRPr sz="1400" b="0" i="0" u="none" strike="noStrike" cap="none">
+                <a:solidFill>
+                  <a:schemeClr val="dk2"/>
+                </a:solidFill>
+                <a:latin typeface="Arial"/>
+                <a:ea typeface="Arial"/>
+                <a:cs typeface="Arial"/>
+                <a:sym typeface="Arial"/>
+              </a:defRPr>
+            </a:lvl4pPr>
+            <a:lvl5pPr marL="2286000" marR="0" lvl="4" indent="-317500" algn="l" rtl="0">
+              <a:lnSpc>
+                <a:spcPct val="115000"/>
+              </a:lnSpc>
+              <a:spcBef>
+                <a:spcPts val="1600"/>
+              </a:spcBef>
+              <a:spcAft>
+                <a:spcPts val="0"/>
+              </a:spcAft>
+              <a:buClr>
+                <a:schemeClr val="dk2"/>
+              </a:buClr>
+              <a:buSzPts val="1400"/>
+              <a:buFont typeface="Arial"/>
+              <a:buChar char="○"/>
+              <a:defRPr sz="1400" b="0" i="0" u="none" strike="noStrike" cap="none">
+                <a:solidFill>
+                  <a:schemeClr val="dk2"/>
+                </a:solidFill>
+                <a:latin typeface="Arial"/>
+                <a:ea typeface="Arial"/>
+                <a:cs typeface="Arial"/>
+                <a:sym typeface="Arial"/>
+              </a:defRPr>
+            </a:lvl5pPr>
+            <a:lvl6pPr marL="2743200" marR="0" lvl="5" indent="-317500" algn="l" rtl="0">
+              <a:lnSpc>
+                <a:spcPct val="115000"/>
+              </a:lnSpc>
+              <a:spcBef>
+                <a:spcPts val="1600"/>
+              </a:spcBef>
+              <a:spcAft>
+                <a:spcPts val="0"/>
+              </a:spcAft>
+              <a:buClr>
+                <a:schemeClr val="dk2"/>
+              </a:buClr>
+              <a:buSzPts val="1400"/>
+              <a:buFont typeface="Arial"/>
+              <a:buChar char="■"/>
+              <a:defRPr sz="1400" b="0" i="0" u="none" strike="noStrike" cap="none">
+                <a:solidFill>
+                  <a:schemeClr val="dk2"/>
+                </a:solidFill>
+                <a:latin typeface="Arial"/>
+                <a:ea typeface="Arial"/>
+                <a:cs typeface="Arial"/>
+                <a:sym typeface="Arial"/>
+              </a:defRPr>
+            </a:lvl6pPr>
+            <a:lvl7pPr marL="3200400" marR="0" lvl="6" indent="-317500" algn="l" rtl="0">
+              <a:lnSpc>
+                <a:spcPct val="115000"/>
+              </a:lnSpc>
+              <a:spcBef>
+                <a:spcPts val="1600"/>
+              </a:spcBef>
+              <a:spcAft>
+                <a:spcPts val="0"/>
+              </a:spcAft>
+              <a:buClr>
+                <a:schemeClr val="dk2"/>
+              </a:buClr>
+              <a:buSzPts val="1400"/>
+              <a:buFont typeface="Arial"/>
+              <a:buChar char="●"/>
+              <a:defRPr sz="1400" b="0" i="0" u="none" strike="noStrike" cap="none">
+                <a:solidFill>
+                  <a:schemeClr val="dk2"/>
+                </a:solidFill>
+                <a:latin typeface="Arial"/>
+                <a:ea typeface="Arial"/>
+                <a:cs typeface="Arial"/>
+                <a:sym typeface="Arial"/>
+              </a:defRPr>
+            </a:lvl7pPr>
+            <a:lvl8pPr marL="3657600" marR="0" lvl="7" indent="-317500" algn="l" rtl="0">
+              <a:lnSpc>
+                <a:spcPct val="115000"/>
+              </a:lnSpc>
+              <a:spcBef>
+                <a:spcPts val="1600"/>
+              </a:spcBef>
+              <a:spcAft>
+                <a:spcPts val="0"/>
+              </a:spcAft>
+              <a:buClr>
+                <a:schemeClr val="dk2"/>
+              </a:buClr>
+              <a:buSzPts val="1400"/>
+              <a:buFont typeface="Arial"/>
+              <a:buChar char="○"/>
+              <a:defRPr sz="1400" b="0" i="0" u="none" strike="noStrike" cap="none">
+                <a:solidFill>
+                  <a:schemeClr val="dk2"/>
+                </a:solidFill>
+                <a:latin typeface="Arial"/>
+                <a:ea typeface="Arial"/>
+                <a:cs typeface="Arial"/>
+                <a:sym typeface="Arial"/>
+              </a:defRPr>
+            </a:lvl8pPr>
+            <a:lvl9pPr marL="4114800" marR="0" lvl="8" indent="-317500" algn="l" rtl="0">
+              <a:lnSpc>
+                <a:spcPct val="115000"/>
+              </a:lnSpc>
+              <a:spcBef>
+                <a:spcPts val="1600"/>
+              </a:spcBef>
+              <a:spcAft>
+                <a:spcPts val="1600"/>
+              </a:spcAft>
+              <a:buClr>
+                <a:schemeClr val="dk2"/>
+              </a:buClr>
+              <a:buSzPts val="1400"/>
+              <a:buFont typeface="Arial"/>
+              <a:buChar char="■"/>
+              <a:defRPr sz="1400" b="0" i="0" u="none" strike="noStrike" cap="none">
+                <a:solidFill>
+                  <a:schemeClr val="dk2"/>
+                </a:solidFill>
+                <a:latin typeface="Arial"/>
+                <a:ea typeface="Arial"/>
+                <a:cs typeface="Arial"/>
+                <a:sym typeface="Arial"/>
+              </a:defRPr>
+            </a:lvl9pPr>
+          </a:lstStyle>
+          <a:p>
+            <a:pPr marL="114300" indent="0">
+              <a:buSzPct val="100000"/>
+              <a:buNone/>
+            </a:pPr>
+            <a:r>
+              <a:rPr lang="fr-FR" sz="1400" b="1" dirty="0"/>
+              <a:t>Objectif : </a:t>
+            </a:r>
+          </a:p>
+          <a:p>
+            <a:pPr>
+              <a:buSzPct val="100000"/>
+            </a:pPr>
+            <a:r>
+              <a:rPr lang="fr-FR" sz="1400" dirty="0"/>
+              <a:t>Tinder cherche à mieux comprendre les mécanismes d’attraction lors des premières interactions afin d’améliorer les recommandations et l’expérience utilisateur</a:t>
+            </a:r>
+          </a:p>
+          <a:p>
+            <a:pPr>
+              <a:buSzPct val="100000"/>
+            </a:pPr>
+            <a:endParaRPr lang="fr-FR" sz="1400" dirty="0"/>
+          </a:p>
+          <a:p>
+            <a:pPr marL="114300" indent="0">
+              <a:buSzPct val="100000"/>
+              <a:buNone/>
+            </a:pPr>
+            <a:r>
+              <a:rPr lang="fr-FR" sz="1400" b="1" dirty="0"/>
+              <a:t>L’enjeu est double : </a:t>
+            </a:r>
+          </a:p>
+          <a:p>
+            <a:pPr>
+              <a:buSzPct val="100000"/>
+            </a:pPr>
+            <a:r>
+              <a:rPr lang="fr-FR" sz="1400" dirty="0"/>
+              <a:t>Comprendre quels facteurs qui influencent la décision individuelle d’accepter un second rendez-vous</a:t>
+            </a:r>
+          </a:p>
+          <a:p>
+            <a:pPr>
+              <a:buSzPct val="100000"/>
+            </a:pPr>
+            <a:r>
+              <a:rPr lang="fr-FR" sz="1400" dirty="0"/>
+              <a:t>Identifier l’écart entre préférences déclarées et comportements réels</a:t>
+            </a:r>
+            <a:endParaRPr lang="fr-FR" dirty="0"/>
+          </a:p>
+        </p:txBody>
+      </p:sp>
+    </p:spTree>
+  </p:cSld>
+  <p:clrMapOvr>
+    <a:masterClrMapping/>
+  </p:clrMapOvr>
+</p:sld>
+</file>
+
+<file path=ppt/slides/slide3.xml><?xml version="1.0" encoding="utf-8"?>
 <p:sld xmlns:a="http://schemas.openxmlformats.org/drawingml/2006/main" xmlns:r="http://schemas.openxmlformats.org/officeDocument/2006/relationships" xmlns:p="http://schemas.openxmlformats.org/presentationml/2006/main">
   <p:cSld>
     <p:spTree>
@@ -16189,7 +17073,7 @@
 </p:sld>
 </file>
 
-<file path=ppt/slides/slide3.xml><?xml version="1.0" encoding="utf-8"?>
+<file path=ppt/slides/slide4.xml><?xml version="1.0" encoding="utf-8"?>
 <p:sld xmlns:a="http://schemas.openxmlformats.org/drawingml/2006/main" xmlns:r="http://schemas.openxmlformats.org/officeDocument/2006/relationships" xmlns:p="http://schemas.openxmlformats.org/presentationml/2006/main">
   <p:cSld>
     <p:spTree>
@@ -16810,7 +17694,7 @@
 </p:sld>
 </file>
 
-<file path=ppt/slides/slide4.xml><?xml version="1.0" encoding="utf-8"?>
+<file path=ppt/slides/slide5.xml><?xml version="1.0" encoding="utf-8"?>
 <p:sld xmlns:a="http://schemas.openxmlformats.org/drawingml/2006/main" xmlns:r="http://schemas.openxmlformats.org/officeDocument/2006/relationships" xmlns:p="http://schemas.openxmlformats.org/presentationml/2006/main">
   <p:cSld>
     <p:spTree>
@@ -17457,7 +18341,7 @@
 </p:sld>
 </file>
 
-<file path=ppt/slides/slide5.xml><?xml version="1.0" encoding="utf-8"?>
+<file path=ppt/slides/slide6.xml><?xml version="1.0" encoding="utf-8"?>
 <p:sld xmlns:a="http://schemas.openxmlformats.org/drawingml/2006/main" xmlns:r="http://schemas.openxmlformats.org/officeDocument/2006/relationships" xmlns:p="http://schemas.openxmlformats.org/presentationml/2006/main">
   <p:cSld>
     <p:spTree>
@@ -18103,7 +18987,7 @@
 </p:sld>
 </file>
 
-<file path=ppt/slides/slide6.xml><?xml version="1.0" encoding="utf-8"?>
+<file path=ppt/slides/slide7.xml><?xml version="1.0" encoding="utf-8"?>
 <p:sld xmlns:a="http://schemas.openxmlformats.org/drawingml/2006/main" xmlns:r="http://schemas.openxmlformats.org/officeDocument/2006/relationships" xmlns:p="http://schemas.openxmlformats.org/presentationml/2006/main">
   <p:cSld>
     <p:spTree>
@@ -18749,7 +19633,7 @@
 </p:sld>
 </file>
 
-<file path=ppt/slides/slide7.xml><?xml version="1.0" encoding="utf-8"?>
+<file path=ppt/slides/slide8.xml><?xml version="1.0" encoding="utf-8"?>
 <p:sld xmlns:a="http://schemas.openxmlformats.org/drawingml/2006/main" xmlns:r="http://schemas.openxmlformats.org/officeDocument/2006/relationships" xmlns:p="http://schemas.openxmlformats.org/presentationml/2006/main">
   <p:cSld>
     <p:spTree>
@@ -19362,7 +20246,7 @@
 </p:sld>
 </file>
 
-<file path=ppt/slides/slide8.xml><?xml version="1.0" encoding="utf-8"?>
+<file path=ppt/slides/slide9.xml><?xml version="1.0" encoding="utf-8"?>
 <p:sld xmlns:a="http://schemas.openxmlformats.org/drawingml/2006/main" xmlns:r="http://schemas.openxmlformats.org/officeDocument/2006/relationships" xmlns:p="http://schemas.openxmlformats.org/presentationml/2006/main">
   <p:cSld>
     <p:spTree>
@@ -21222,198 +22106,6 @@
         <p14:creationId xmlns:p14="http://schemas.microsoft.com/office/powerpoint/2010/main" val="133680366"/>
       </p:ext>
     </p:extLst>
-  </p:cSld>
-  <p:clrMapOvr>
-    <a:masterClrMapping/>
-  </p:clrMapOvr>
-</p:sld>
-</file>
-
-<file path=ppt/slides/slide9.xml><?xml version="1.0" encoding="utf-8"?>
-<p:sld xmlns:a="http://schemas.openxmlformats.org/drawingml/2006/main" xmlns:r="http://schemas.openxmlformats.org/officeDocument/2006/relationships" xmlns:p="http://schemas.openxmlformats.org/presentationml/2006/main">
-  <p:cSld>
-    <p:bg>
-      <p:bgPr>
-        <a:solidFill>
-          <a:srgbClr val="00DBD0"/>
-        </a:solidFill>
-        <a:effectLst/>
-      </p:bgPr>
-    </p:bg>
-    <p:spTree>
-      <p:nvGrpSpPr>
-        <p:cNvPr id="1" name="Shape 186"/>
-        <p:cNvGrpSpPr/>
-        <p:nvPr/>
-      </p:nvGrpSpPr>
-      <p:grpSpPr>
-        <a:xfrm>
-          <a:off x="0" y="0"/>
-          <a:ext cx="0" cy="0"/>
-          <a:chOff x="0" y="0"/>
-          <a:chExt cx="0" cy="0"/>
-        </a:xfrm>
-      </p:grpSpPr>
-      <p:sp>
-        <p:nvSpPr>
-          <p:cNvPr id="187" name="Google Shape;187;p9"/>
-          <p:cNvSpPr txBox="1">
-            <a:spLocks noGrp="1"/>
-          </p:cNvSpPr>
-          <p:nvPr>
-            <p:ph type="ctrTitle" idx="4294967295"/>
-          </p:nvPr>
-        </p:nvSpPr>
-        <p:spPr>
-          <a:xfrm>
-            <a:off x="1089725" y="1970775"/>
-            <a:ext cx="6393116" cy="698400"/>
-          </a:xfrm>
-          <a:prstGeom prst="rect">
-            <a:avLst/>
-          </a:prstGeom>
-          <a:noFill/>
-          <a:ln>
-            <a:noFill/>
-          </a:ln>
-        </p:spPr>
-        <p:txBody>
-          <a:bodyPr spcFirstLastPara="1" wrap="square" lIns="91425" tIns="91425" rIns="91425" bIns="91425" anchor="t" anchorCtr="0">
-            <a:noAutofit/>
-          </a:bodyPr>
-          <a:lstStyle/>
-          <a:p>
-            <a:pPr marL="0" marR="0" lvl="0" indent="0" algn="l" rtl="0">
-              <a:lnSpc>
-                <a:spcPct val="100000"/>
-              </a:lnSpc>
-              <a:spcBef>
-                <a:spcPts val="0"/>
-              </a:spcBef>
-              <a:spcAft>
-                <a:spcPts val="0"/>
-              </a:spcAft>
-              <a:buClr>
-                <a:schemeClr val="dk1"/>
-              </a:buClr>
-              <a:buSzPts val="2800"/>
-              <a:buFont typeface="Arial"/>
-              <a:buNone/>
-            </a:pPr>
-            <a:r>
-              <a:rPr lang="fr" sz="3600" dirty="0">
-                <a:solidFill>
-                  <a:srgbClr val="0E3449"/>
-                </a:solidFill>
-                <a:latin typeface="Inter SemiBold"/>
-                <a:ea typeface="Inter SemiBold"/>
-                <a:cs typeface="Inter SemiBold"/>
-                <a:sym typeface="Inter SemiBold"/>
-              </a:rPr>
-              <a:t>Merci pour votre attention</a:t>
-            </a:r>
-            <a:br>
-              <a:rPr lang="fr" sz="3600" dirty="0">
-                <a:solidFill>
-                  <a:srgbClr val="0E3449"/>
-                </a:solidFill>
-                <a:latin typeface="Inter SemiBold"/>
-                <a:ea typeface="Inter SemiBold"/>
-                <a:cs typeface="Inter SemiBold"/>
-                <a:sym typeface="Inter SemiBold"/>
-              </a:rPr>
-            </a:br>
-            <a:r>
-              <a:rPr lang="fr" sz="3600" dirty="0">
-                <a:solidFill>
-                  <a:srgbClr val="0E3449"/>
-                </a:solidFill>
-                <a:latin typeface="Inter SemiBold"/>
-                <a:ea typeface="Inter SemiBold"/>
-                <a:cs typeface="Inter SemiBold"/>
-                <a:sym typeface="Inter SemiBold"/>
-              </a:rPr>
-              <a:t>Des</a:t>
-            </a:r>
-            <a:r>
-              <a:rPr lang="fr" sz="3600" b="0" i="0" u="none" strike="noStrike" cap="none" dirty="0">
-                <a:solidFill>
-                  <a:srgbClr val="0E3449"/>
-                </a:solidFill>
-                <a:latin typeface="Inter SemiBold"/>
-                <a:ea typeface="Inter SemiBold"/>
-                <a:cs typeface="Inter SemiBold"/>
-                <a:sym typeface="Inter SemiBold"/>
-              </a:rPr>
-              <a:t> questions ?</a:t>
-            </a:r>
-            <a:endParaRPr sz="3600" b="0" i="0" u="none" strike="noStrike" cap="none" dirty="0">
-              <a:solidFill>
-                <a:srgbClr val="0E3449"/>
-              </a:solidFill>
-              <a:latin typeface="Inter SemiBold"/>
-              <a:ea typeface="Inter SemiBold"/>
-              <a:cs typeface="Inter SemiBold"/>
-              <a:sym typeface="Inter SemiBold"/>
-            </a:endParaRPr>
-          </a:p>
-        </p:txBody>
-      </p:sp>
-      <p:pic>
-        <p:nvPicPr>
-          <p:cNvPr id="188" name="Google Shape;188;p9"/>
-          <p:cNvPicPr preferRelativeResize="0"/>
-          <p:nvPr/>
-        </p:nvPicPr>
-        <p:blipFill rotWithShape="1">
-          <a:blip r:embed="rId3">
-            <a:alphaModFix/>
-          </a:blip>
-          <a:srcRect/>
-          <a:stretch/>
-        </p:blipFill>
-        <p:spPr>
-          <a:xfrm>
-            <a:off x="3918625" y="3006625"/>
-            <a:ext cx="4599299" cy="2136876"/>
-          </a:xfrm>
-          <a:prstGeom prst="rect">
-            <a:avLst/>
-          </a:prstGeom>
-          <a:noFill/>
-          <a:ln>
-            <a:noFill/>
-          </a:ln>
-        </p:spPr>
-      </p:pic>
-      <p:pic>
-        <p:nvPicPr>
-          <p:cNvPr id="189" name="Google Shape;189;p9"/>
-          <p:cNvPicPr preferRelativeResize="0"/>
-          <p:nvPr/>
-        </p:nvPicPr>
-        <p:blipFill rotWithShape="1">
-          <a:blip r:embed="rId4">
-            <a:alphaModFix/>
-          </a:blip>
-          <a:srcRect/>
-          <a:stretch/>
-        </p:blipFill>
-        <p:spPr>
-          <a:xfrm>
-            <a:off x="1232375" y="915775"/>
-            <a:ext cx="797425" cy="839825"/>
-          </a:xfrm>
-          <a:prstGeom prst="rect">
-            <a:avLst/>
-          </a:prstGeom>
-          <a:noFill/>
-          <a:ln>
-            <a:noFill/>
-          </a:ln>
-        </p:spPr>
-      </p:pic>
-    </p:spTree>
   </p:cSld>
   <p:clrMapOvr>
     <a:masterClrMapping/>
